--- a/01htmlLessons/slides/1HTML 5.pptx
+++ b/01htmlLessons/slides/1HTML 5.pptx
@@ -14,7 +14,7 @@
     <p:sldMasterId id="2147483755" r:id="rId10"/>
   </p:sldMasterIdLst>
   <p:notesMasterIdLst>
-    <p:notesMasterId r:id="rId41"/>
+    <p:notesMasterId r:id="rId42"/>
   </p:notesMasterIdLst>
   <p:sldIdLst>
     <p:sldId id="260" r:id="rId11"/>
@@ -29,24 +29,25 @@
     <p:sldId id="262" r:id="rId20"/>
     <p:sldId id="270" r:id="rId21"/>
     <p:sldId id="275" r:id="rId22"/>
-    <p:sldId id="276" r:id="rId23"/>
-    <p:sldId id="277" r:id="rId24"/>
-    <p:sldId id="278" r:id="rId25"/>
-    <p:sldId id="279" r:id="rId26"/>
-    <p:sldId id="280" r:id="rId27"/>
-    <p:sldId id="281" r:id="rId28"/>
-    <p:sldId id="282" r:id="rId29"/>
-    <p:sldId id="283" r:id="rId30"/>
-    <p:sldId id="284" r:id="rId31"/>
-    <p:sldId id="272" r:id="rId32"/>
-    <p:sldId id="273" r:id="rId33"/>
-    <p:sldId id="274" r:id="rId34"/>
-    <p:sldId id="285" r:id="rId35"/>
-    <p:sldId id="263" r:id="rId36"/>
-    <p:sldId id="256" r:id="rId37"/>
-    <p:sldId id="257" r:id="rId38"/>
-    <p:sldId id="258" r:id="rId39"/>
-    <p:sldId id="259" r:id="rId40"/>
+    <p:sldId id="286" r:id="rId23"/>
+    <p:sldId id="276" r:id="rId24"/>
+    <p:sldId id="277" r:id="rId25"/>
+    <p:sldId id="278" r:id="rId26"/>
+    <p:sldId id="279" r:id="rId27"/>
+    <p:sldId id="280" r:id="rId28"/>
+    <p:sldId id="281" r:id="rId29"/>
+    <p:sldId id="282" r:id="rId30"/>
+    <p:sldId id="283" r:id="rId31"/>
+    <p:sldId id="284" r:id="rId32"/>
+    <p:sldId id="272" r:id="rId33"/>
+    <p:sldId id="273" r:id="rId34"/>
+    <p:sldId id="274" r:id="rId35"/>
+    <p:sldId id="285" r:id="rId36"/>
+    <p:sldId id="263" r:id="rId37"/>
+    <p:sldId id="256" r:id="rId38"/>
+    <p:sldId id="257" r:id="rId39"/>
+    <p:sldId id="258" r:id="rId40"/>
+    <p:sldId id="259" r:id="rId41"/>
   </p:sldIdLst>
   <p:sldSz cx="12192000" cy="6858000"/>
   <p:notesSz cx="7559675" cy="10691813"/>
@@ -235,7 +236,7 @@
           <a:p>
             <a:fld id="{CE91FDE8-99E0-4B82-8748-793B9652B426}" type="datetimeFigureOut">
               <a:rPr lang="en-US" smtClean="0"/>
-              <a:t>3/19/2023</a:t>
+              <a:t>11/9/2024</a:t>
             </a:fld>
             <a:endParaRPr lang="en-US"/>
           </a:p>
@@ -29605,7 +29606,7 @@
                 </a:solidFill>
                 <a:latin typeface="Impact"/>
               </a:rPr>
-              <a:t>3/19/2023</a:t>
+              <a:t>11/9/2024</a:t>
             </a:fld>
             <a:endParaRPr lang="en-IN" sz="5400" b="0" strike="noStrike" spc="-1">
               <a:latin typeface="Times New Roman"/>
@@ -32068,7 +32069,7 @@
                 </a:solidFill>
                 <a:latin typeface="Impact"/>
               </a:rPr>
-              <a:t>3/19/2023</a:t>
+              <a:t>11/9/2024</a:t>
             </a:fld>
             <a:endParaRPr lang="en-IN" sz="3200" b="0" strike="noStrike" spc="-1">
               <a:latin typeface="Times New Roman"/>
@@ -32794,7 +32795,7 @@
                 </a:solidFill>
                 <a:latin typeface="Impact"/>
               </a:rPr>
-              <a:t>3/19/2023</a:t>
+              <a:t>11/9/2024</a:t>
             </a:fld>
             <a:endParaRPr lang="en-IN" sz="3200" b="0" strike="noStrike" spc="-1">
               <a:latin typeface="Times New Roman"/>
@@ -33608,7 +33609,7 @@
                 </a:solidFill>
                 <a:latin typeface="Impact"/>
               </a:rPr>
-              <a:t>3/19/2023</a:t>
+              <a:t>11/9/2024</a:t>
             </a:fld>
             <a:endParaRPr lang="en-IN" sz="3200" b="0" strike="noStrike" spc="-1">
               <a:latin typeface="Times New Roman"/>
@@ -41333,16 +41334,297 @@
           <a:p>
             <a:r>
               <a:rPr lang="en-US" dirty="0" smtClean="0"/>
-              <a:t>Headings</a:t>
+              <a:t>Div</a:t>
             </a:r>
             <a:endParaRPr lang="en-US" dirty="0"/>
+          </a:p>
+        </p:txBody>
+      </p:sp>
+      <p:sp>
+        <p:nvSpPr>
+          <p:cNvPr id="3" name="Title 4"/>
+          <p:cNvSpPr txBox="1">
+            <a:spLocks/>
+          </p:cNvSpPr>
+          <p:nvPr/>
+        </p:nvSpPr>
+        <p:spPr>
+          <a:xfrm>
+            <a:off x="0" y="4182955"/>
+            <a:ext cx="12191999" cy="1122400"/>
+          </a:xfrm>
+          <a:prstGeom prst="rect">
+            <a:avLst/>
+          </a:prstGeom>
+          <a:noFill/>
+          <a:ln>
+            <a:noFill/>
+          </a:ln>
+        </p:spPr>
+        <p:txBody>
+          <a:bodyPr spcFirstLastPara="1" wrap="square" lIns="91425" tIns="91425" rIns="91425" bIns="91425" anchor="ctr" anchorCtr="0">
+            <a:noAutofit/>
+          </a:bodyPr>
+          <a:lstStyle>
+            <a:defPPr marR="0" lvl="0" algn="l" rtl="0">
+              <a:lnSpc>
+                <a:spcPct val="100000"/>
+              </a:lnSpc>
+              <a:spcBef>
+                <a:spcPts val="0"/>
+              </a:spcBef>
+              <a:spcAft>
+                <a:spcPts val="0"/>
+              </a:spcAft>
+            </a:defPPr>
+            <a:lvl1pPr marR="0" lvl="0" algn="ctr" rtl="0">
+              <a:lnSpc>
+                <a:spcPct val="100000"/>
+              </a:lnSpc>
+              <a:spcBef>
+                <a:spcPts val="0"/>
+              </a:spcBef>
+              <a:spcAft>
+                <a:spcPts val="0"/>
+              </a:spcAft>
+              <a:buClr>
+                <a:schemeClr val="dk1"/>
+              </a:buClr>
+              <a:buSzPts val="3600"/>
+              <a:buFont typeface="Arial"/>
+              <a:buNone/>
+              <a:defRPr sz="4800" b="0" i="0" u="none" strike="noStrike" cap="none">
+                <a:solidFill>
+                  <a:schemeClr val="dk1"/>
+                </a:solidFill>
+                <a:latin typeface="Arial"/>
+                <a:ea typeface="Arial"/>
+                <a:cs typeface="Arial"/>
+                <a:sym typeface="Arial"/>
+              </a:defRPr>
+            </a:lvl1pPr>
+            <a:lvl2pPr marR="0" lvl="1" algn="ctr" rtl="0">
+              <a:lnSpc>
+                <a:spcPct val="100000"/>
+              </a:lnSpc>
+              <a:spcBef>
+                <a:spcPts val="0"/>
+              </a:spcBef>
+              <a:spcAft>
+                <a:spcPts val="0"/>
+              </a:spcAft>
+              <a:buClr>
+                <a:schemeClr val="dk1"/>
+              </a:buClr>
+              <a:buSzPts val="3600"/>
+              <a:buFont typeface="Arial"/>
+              <a:buNone/>
+              <a:defRPr sz="4800" b="0" i="0" u="none" strike="noStrike" cap="none">
+                <a:solidFill>
+                  <a:schemeClr val="dk1"/>
+                </a:solidFill>
+                <a:latin typeface="Arial"/>
+                <a:ea typeface="Arial"/>
+                <a:cs typeface="Arial"/>
+                <a:sym typeface="Arial"/>
+              </a:defRPr>
+            </a:lvl2pPr>
+            <a:lvl3pPr marR="0" lvl="2" algn="ctr" rtl="0">
+              <a:lnSpc>
+                <a:spcPct val="100000"/>
+              </a:lnSpc>
+              <a:spcBef>
+                <a:spcPts val="0"/>
+              </a:spcBef>
+              <a:spcAft>
+                <a:spcPts val="0"/>
+              </a:spcAft>
+              <a:buClr>
+                <a:schemeClr val="dk1"/>
+              </a:buClr>
+              <a:buSzPts val="3600"/>
+              <a:buFont typeface="Arial"/>
+              <a:buNone/>
+              <a:defRPr sz="4800" b="0" i="0" u="none" strike="noStrike" cap="none">
+                <a:solidFill>
+                  <a:schemeClr val="dk1"/>
+                </a:solidFill>
+                <a:latin typeface="Arial"/>
+                <a:ea typeface="Arial"/>
+                <a:cs typeface="Arial"/>
+                <a:sym typeface="Arial"/>
+              </a:defRPr>
+            </a:lvl3pPr>
+            <a:lvl4pPr marR="0" lvl="3" algn="ctr" rtl="0">
+              <a:lnSpc>
+                <a:spcPct val="100000"/>
+              </a:lnSpc>
+              <a:spcBef>
+                <a:spcPts val="0"/>
+              </a:spcBef>
+              <a:spcAft>
+                <a:spcPts val="0"/>
+              </a:spcAft>
+              <a:buClr>
+                <a:schemeClr val="dk1"/>
+              </a:buClr>
+              <a:buSzPts val="3600"/>
+              <a:buFont typeface="Arial"/>
+              <a:buNone/>
+              <a:defRPr sz="4800" b="0" i="0" u="none" strike="noStrike" cap="none">
+                <a:solidFill>
+                  <a:schemeClr val="dk1"/>
+                </a:solidFill>
+                <a:latin typeface="Arial"/>
+                <a:ea typeface="Arial"/>
+                <a:cs typeface="Arial"/>
+                <a:sym typeface="Arial"/>
+              </a:defRPr>
+            </a:lvl4pPr>
+            <a:lvl5pPr marR="0" lvl="4" algn="ctr" rtl="0">
+              <a:lnSpc>
+                <a:spcPct val="100000"/>
+              </a:lnSpc>
+              <a:spcBef>
+                <a:spcPts val="0"/>
+              </a:spcBef>
+              <a:spcAft>
+                <a:spcPts val="0"/>
+              </a:spcAft>
+              <a:buClr>
+                <a:schemeClr val="dk1"/>
+              </a:buClr>
+              <a:buSzPts val="3600"/>
+              <a:buFont typeface="Arial"/>
+              <a:buNone/>
+              <a:defRPr sz="4800" b="0" i="0" u="none" strike="noStrike" cap="none">
+                <a:solidFill>
+                  <a:schemeClr val="dk1"/>
+                </a:solidFill>
+                <a:latin typeface="Arial"/>
+                <a:ea typeface="Arial"/>
+                <a:cs typeface="Arial"/>
+                <a:sym typeface="Arial"/>
+              </a:defRPr>
+            </a:lvl5pPr>
+            <a:lvl6pPr marR="0" lvl="5" algn="ctr" rtl="0">
+              <a:lnSpc>
+                <a:spcPct val="100000"/>
+              </a:lnSpc>
+              <a:spcBef>
+                <a:spcPts val="0"/>
+              </a:spcBef>
+              <a:spcAft>
+                <a:spcPts val="0"/>
+              </a:spcAft>
+              <a:buClr>
+                <a:schemeClr val="dk1"/>
+              </a:buClr>
+              <a:buSzPts val="3600"/>
+              <a:buFont typeface="Arial"/>
+              <a:buNone/>
+              <a:defRPr sz="4800" b="0" i="0" u="none" strike="noStrike" cap="none">
+                <a:solidFill>
+                  <a:schemeClr val="dk1"/>
+                </a:solidFill>
+                <a:latin typeface="Arial"/>
+                <a:ea typeface="Arial"/>
+                <a:cs typeface="Arial"/>
+                <a:sym typeface="Arial"/>
+              </a:defRPr>
+            </a:lvl6pPr>
+            <a:lvl7pPr marR="0" lvl="6" algn="ctr" rtl="0">
+              <a:lnSpc>
+                <a:spcPct val="100000"/>
+              </a:lnSpc>
+              <a:spcBef>
+                <a:spcPts val="0"/>
+              </a:spcBef>
+              <a:spcAft>
+                <a:spcPts val="0"/>
+              </a:spcAft>
+              <a:buClr>
+                <a:schemeClr val="dk1"/>
+              </a:buClr>
+              <a:buSzPts val="3600"/>
+              <a:buFont typeface="Arial"/>
+              <a:buNone/>
+              <a:defRPr sz="4800" b="0" i="0" u="none" strike="noStrike" cap="none">
+                <a:solidFill>
+                  <a:schemeClr val="dk1"/>
+                </a:solidFill>
+                <a:latin typeface="Arial"/>
+                <a:ea typeface="Arial"/>
+                <a:cs typeface="Arial"/>
+                <a:sym typeface="Arial"/>
+              </a:defRPr>
+            </a:lvl7pPr>
+            <a:lvl8pPr marR="0" lvl="7" algn="ctr" rtl="0">
+              <a:lnSpc>
+                <a:spcPct val="100000"/>
+              </a:lnSpc>
+              <a:spcBef>
+                <a:spcPts val="0"/>
+              </a:spcBef>
+              <a:spcAft>
+                <a:spcPts val="0"/>
+              </a:spcAft>
+              <a:buClr>
+                <a:schemeClr val="dk1"/>
+              </a:buClr>
+              <a:buSzPts val="3600"/>
+              <a:buFont typeface="Arial"/>
+              <a:buNone/>
+              <a:defRPr sz="4800" b="0" i="0" u="none" strike="noStrike" cap="none">
+                <a:solidFill>
+                  <a:schemeClr val="dk1"/>
+                </a:solidFill>
+                <a:latin typeface="Arial"/>
+                <a:ea typeface="Arial"/>
+                <a:cs typeface="Arial"/>
+                <a:sym typeface="Arial"/>
+              </a:defRPr>
+            </a:lvl8pPr>
+            <a:lvl9pPr marR="0" lvl="8" algn="ctr" rtl="0">
+              <a:lnSpc>
+                <a:spcPct val="100000"/>
+              </a:lnSpc>
+              <a:spcBef>
+                <a:spcPts val="0"/>
+              </a:spcBef>
+              <a:spcAft>
+                <a:spcPts val="0"/>
+              </a:spcAft>
+              <a:buClr>
+                <a:schemeClr val="dk1"/>
+              </a:buClr>
+              <a:buSzPts val="3600"/>
+              <a:buFont typeface="Arial"/>
+              <a:buNone/>
+              <a:defRPr sz="4800" b="0" i="0" u="none" strike="noStrike" cap="none">
+                <a:solidFill>
+                  <a:schemeClr val="dk1"/>
+                </a:solidFill>
+                <a:latin typeface="Arial"/>
+                <a:ea typeface="Arial"/>
+                <a:cs typeface="Arial"/>
+                <a:sym typeface="Arial"/>
+              </a:defRPr>
+            </a:lvl9pPr>
+          </a:lstStyle>
+          <a:p>
+            <a:r>
+              <a:rPr lang="en-US" kern="0" dirty="0" smtClean="0"/>
+              <a:t>Span</a:t>
+            </a:r>
+            <a:endParaRPr lang="en-US" kern="0" dirty="0"/>
           </a:p>
         </p:txBody>
       </p:sp>
     </p:spTree>
     <p:extLst>
       <p:ext uri="{BB962C8B-B14F-4D97-AF65-F5344CB8AC3E}">
-        <p14:creationId xmlns:p14="http://schemas.microsoft.com/office/powerpoint/2010/main" val="1535541144"/>
+        <p14:creationId xmlns:p14="http://schemas.microsoft.com/office/powerpoint/2010/main" val="4015957966"/>
       </p:ext>
     </p:extLst>
   </p:cSld>
@@ -41386,7 +41668,7 @@
           <a:p>
             <a:r>
               <a:rPr lang="en-US" dirty="0" smtClean="0"/>
-              <a:t>Ordered and Unordered List</a:t>
+              <a:t>Headings</a:t>
             </a:r>
             <a:endParaRPr lang="en-US" dirty="0"/>
           </a:p>
@@ -41395,7 +41677,7 @@
     </p:spTree>
     <p:extLst>
       <p:ext uri="{BB962C8B-B14F-4D97-AF65-F5344CB8AC3E}">
-        <p14:creationId xmlns:p14="http://schemas.microsoft.com/office/powerpoint/2010/main" val="3963476228"/>
+        <p14:creationId xmlns:p14="http://schemas.microsoft.com/office/powerpoint/2010/main" val="1535541144"/>
       </p:ext>
     </p:extLst>
   </p:cSld>
@@ -41439,7 +41721,11 @@
           <a:p>
             <a:r>
               <a:rPr lang="en-US" dirty="0" smtClean="0"/>
-              <a:t>Table</a:t>
+              <a:t>Ordered, </a:t>
+            </a:r>
+            <a:r>
+              <a:rPr lang="en-US" dirty="0" smtClean="0"/>
+              <a:t>and Unordered List</a:t>
             </a:r>
             <a:endParaRPr lang="en-US" dirty="0"/>
           </a:p>
@@ -41448,7 +41734,7 @@
     </p:spTree>
     <p:extLst>
       <p:ext uri="{BB962C8B-B14F-4D97-AF65-F5344CB8AC3E}">
-        <p14:creationId xmlns:p14="http://schemas.microsoft.com/office/powerpoint/2010/main" val="785093401"/>
+        <p14:creationId xmlns:p14="http://schemas.microsoft.com/office/powerpoint/2010/main" val="3963476228"/>
       </p:ext>
     </p:extLst>
   </p:cSld>
@@ -41492,6 +41778,59 @@
           <a:p>
             <a:r>
               <a:rPr lang="en-US" dirty="0" smtClean="0"/>
+              <a:t>Table</a:t>
+            </a:r>
+            <a:endParaRPr lang="en-US" dirty="0"/>
+          </a:p>
+        </p:txBody>
+      </p:sp>
+    </p:spTree>
+    <p:extLst>
+      <p:ext uri="{BB962C8B-B14F-4D97-AF65-F5344CB8AC3E}">
+        <p14:creationId xmlns:p14="http://schemas.microsoft.com/office/powerpoint/2010/main" val="785093401"/>
+      </p:ext>
+    </p:extLst>
+  </p:cSld>
+  <p:clrMapOvr>
+    <a:masterClrMapping/>
+  </p:clrMapOvr>
+</p:sld>
+</file>
+
+<file path=ppt/slides/slide17.xml><?xml version="1.0" encoding="utf-8"?>
+<p:sld xmlns:a="http://schemas.openxmlformats.org/drawingml/2006/main" xmlns:r="http://schemas.openxmlformats.org/officeDocument/2006/relationships" xmlns:p="http://schemas.openxmlformats.org/presentationml/2006/main">
+  <p:cSld>
+    <p:spTree>
+      <p:nvGrpSpPr>
+        <p:cNvPr id="1" name=""/>
+        <p:cNvGrpSpPr/>
+        <p:nvPr/>
+      </p:nvGrpSpPr>
+      <p:grpSpPr>
+        <a:xfrm>
+          <a:off x="0" y="0"/>
+          <a:ext cx="0" cy="0"/>
+          <a:chOff x="0" y="0"/>
+          <a:chExt cx="0" cy="0"/>
+        </a:xfrm>
+      </p:grpSpPr>
+      <p:sp>
+        <p:nvSpPr>
+          <p:cNvPr id="5" name="Title 4"/>
+          <p:cNvSpPr>
+            <a:spLocks noGrp="1"/>
+          </p:cNvSpPr>
+          <p:nvPr>
+            <p:ph type="title"/>
+          </p:nvPr>
+        </p:nvSpPr>
+        <p:spPr/>
+        <p:txBody>
+          <a:bodyPr/>
+          <a:lstStyle/>
+          <a:p>
+            <a:r>
+              <a:rPr lang="en-US" dirty="0" smtClean="0"/>
               <a:t>Image</a:t>
             </a:r>
             <a:endParaRPr lang="en-US" dirty="0"/>
@@ -41511,7 +41850,7 @@
 </p:sld>
 </file>
 
-<file path=ppt/slides/slide17.xml><?xml version="1.0" encoding="utf-8"?>
+<file path=ppt/slides/slide18.xml><?xml version="1.0" encoding="utf-8"?>
 <p:sld xmlns:a="http://schemas.openxmlformats.org/drawingml/2006/main" xmlns:r="http://schemas.openxmlformats.org/officeDocument/2006/relationships" xmlns:p="http://schemas.openxmlformats.org/presentationml/2006/main">
   <p:cSld>
     <p:spTree>
@@ -41679,70 +42018,6 @@
 </p:sld>
 </file>
 
-<file path=ppt/slides/slide18.xml><?xml version="1.0" encoding="utf-8"?>
-<p:sld xmlns:a="http://schemas.openxmlformats.org/drawingml/2006/main" xmlns:r="http://schemas.openxmlformats.org/officeDocument/2006/relationships" xmlns:p="http://schemas.openxmlformats.org/presentationml/2006/main">
-  <p:cSld>
-    <p:spTree>
-      <p:nvGrpSpPr>
-        <p:cNvPr id="1" name=""/>
-        <p:cNvGrpSpPr/>
-        <p:nvPr/>
-      </p:nvGrpSpPr>
-      <p:grpSpPr>
-        <a:xfrm>
-          <a:off x="0" y="0"/>
-          <a:ext cx="0" cy="0"/>
-          <a:chOff x="0" y="0"/>
-          <a:chExt cx="0" cy="0"/>
-        </a:xfrm>
-      </p:grpSpPr>
-      <p:sp>
-        <p:nvSpPr>
-          <p:cNvPr id="5" name="Title 4"/>
-          <p:cNvSpPr>
-            <a:spLocks noGrp="1"/>
-          </p:cNvSpPr>
-          <p:nvPr>
-            <p:ph type="title"/>
-          </p:nvPr>
-        </p:nvSpPr>
-        <p:spPr/>
-        <p:txBody>
-          <a:bodyPr/>
-          <a:lstStyle/>
-          <a:p>
-            <a:r>
-              <a:rPr lang="en-US" dirty="0" smtClean="0"/>
-              <a:t>Embedded </a:t>
-            </a:r>
-            <a:r>
-              <a:rPr lang="en-US" dirty="0" smtClean="0"/>
-              <a:t>Video</a:t>
-            </a:r>
-            <a:br>
-              <a:rPr lang="en-US" dirty="0" smtClean="0"/>
-            </a:br>
-            <a:r>
-              <a:rPr lang="en-US" dirty="0" smtClean="0"/>
-              <a:t>iframe</a:t>
-            </a:r>
-            <a:endParaRPr lang="en-US" dirty="0"/>
-          </a:p>
-        </p:txBody>
-      </p:sp>
-    </p:spTree>
-    <p:extLst>
-      <p:ext uri="{BB962C8B-B14F-4D97-AF65-F5344CB8AC3E}">
-        <p14:creationId xmlns:p14="http://schemas.microsoft.com/office/powerpoint/2010/main" val="1177551514"/>
-      </p:ext>
-    </p:extLst>
-  </p:cSld>
-  <p:clrMapOvr>
-    <a:masterClrMapping/>
-  </p:clrMapOvr>
-</p:sld>
-</file>
-
 <file path=ppt/slides/slide19.xml><?xml version="1.0" encoding="utf-8"?>
 <p:sld xmlns:a="http://schemas.openxmlformats.org/drawingml/2006/main" xmlns:r="http://schemas.openxmlformats.org/officeDocument/2006/relationships" xmlns:p="http://schemas.openxmlformats.org/presentationml/2006/main">
   <p:cSld>
@@ -41777,7 +42052,14 @@
           <a:p>
             <a:r>
               <a:rPr lang="en-US" dirty="0" smtClean="0"/>
-              <a:t>Links</a:t>
+              <a:t>Embedded Video</a:t>
+            </a:r>
+            <a:br>
+              <a:rPr lang="en-US" dirty="0" smtClean="0"/>
+            </a:br>
+            <a:r>
+              <a:rPr lang="en-US" dirty="0" smtClean="0"/>
+              <a:t>iframe</a:t>
             </a:r>
             <a:endParaRPr lang="en-US" dirty="0"/>
           </a:p>
@@ -41786,7 +42068,7 @@
     </p:spTree>
     <p:extLst>
       <p:ext uri="{BB962C8B-B14F-4D97-AF65-F5344CB8AC3E}">
-        <p14:creationId xmlns:p14="http://schemas.microsoft.com/office/powerpoint/2010/main" val="2965767557"/>
+        <p14:creationId xmlns:p14="http://schemas.microsoft.com/office/powerpoint/2010/main" val="1177551514"/>
       </p:ext>
     </p:extLst>
   </p:cSld>
@@ -41915,7 +42197,7 @@
           <a:p>
             <a:r>
               <a:rPr lang="en-US" dirty="0" smtClean="0"/>
-              <a:t>Responsive Page</a:t>
+              <a:t>Links</a:t>
             </a:r>
             <a:endParaRPr lang="en-US" dirty="0"/>
           </a:p>
@@ -41924,7 +42206,7 @@
     </p:spTree>
     <p:extLst>
       <p:ext uri="{BB962C8B-B14F-4D97-AF65-F5344CB8AC3E}">
-        <p14:creationId xmlns:p14="http://schemas.microsoft.com/office/powerpoint/2010/main" val="3332397679"/>
+        <p14:creationId xmlns:p14="http://schemas.microsoft.com/office/powerpoint/2010/main" val="2965767557"/>
       </p:ext>
     </p:extLst>
   </p:cSld>
@@ -41968,6 +42250,59 @@
           <a:p>
             <a:r>
               <a:rPr lang="en-US" dirty="0" smtClean="0"/>
+              <a:t>Responsive Page</a:t>
+            </a:r>
+            <a:endParaRPr lang="en-US" dirty="0"/>
+          </a:p>
+        </p:txBody>
+      </p:sp>
+    </p:spTree>
+    <p:extLst>
+      <p:ext uri="{BB962C8B-B14F-4D97-AF65-F5344CB8AC3E}">
+        <p14:creationId xmlns:p14="http://schemas.microsoft.com/office/powerpoint/2010/main" val="3332397679"/>
+      </p:ext>
+    </p:extLst>
+  </p:cSld>
+  <p:clrMapOvr>
+    <a:masterClrMapping/>
+  </p:clrMapOvr>
+</p:sld>
+</file>
+
+<file path=ppt/slides/slide22.xml><?xml version="1.0" encoding="utf-8"?>
+<p:sld xmlns:a="http://schemas.openxmlformats.org/drawingml/2006/main" xmlns:r="http://schemas.openxmlformats.org/officeDocument/2006/relationships" xmlns:p="http://schemas.openxmlformats.org/presentationml/2006/main">
+  <p:cSld>
+    <p:spTree>
+      <p:nvGrpSpPr>
+        <p:cNvPr id="1" name=""/>
+        <p:cNvGrpSpPr/>
+        <p:nvPr/>
+      </p:nvGrpSpPr>
+      <p:grpSpPr>
+        <a:xfrm>
+          <a:off x="0" y="0"/>
+          <a:ext cx="0" cy="0"/>
+          <a:chOff x="0" y="0"/>
+          <a:chExt cx="0" cy="0"/>
+        </a:xfrm>
+      </p:grpSpPr>
+      <p:sp>
+        <p:nvSpPr>
+          <p:cNvPr id="5" name="Title 4"/>
+          <p:cNvSpPr>
+            <a:spLocks noGrp="1"/>
+          </p:cNvSpPr>
+          <p:nvPr>
+            <p:ph type="title"/>
+          </p:nvPr>
+        </p:nvSpPr>
+        <p:spPr/>
+        <p:txBody>
+          <a:bodyPr/>
+          <a:lstStyle/>
+          <a:p>
+            <a:r>
+              <a:rPr lang="en-US" dirty="0" smtClean="0"/>
               <a:t>URL Parameters</a:t>
             </a:r>
             <a:endParaRPr lang="en-US" dirty="0"/>
@@ -41987,7 +42322,7 @@
 </p:sld>
 </file>
 
-<file path=ppt/slides/slide22.xml><?xml version="1.0" encoding="utf-8"?>
+<file path=ppt/slides/slide23.xml><?xml version="1.0" encoding="utf-8"?>
 <p:sld xmlns:a="http://schemas.openxmlformats.org/drawingml/2006/main" xmlns:r="http://schemas.openxmlformats.org/officeDocument/2006/relationships" xmlns:p="http://schemas.openxmlformats.org/presentationml/2006/main">
   <p:cSld>
     <p:spTree>
@@ -42063,7 +42398,7 @@
 </p:sld>
 </file>
 
-<file path=ppt/slides/slide23.xml><?xml version="1.0" encoding="utf-8"?>
+<file path=ppt/slides/slide24.xml><?xml version="1.0" encoding="utf-8"?>
 <p:sld xmlns:a="http://schemas.openxmlformats.org/drawingml/2006/main" xmlns:r="http://schemas.openxmlformats.org/officeDocument/2006/relationships" xmlns:p="http://schemas.openxmlformats.org/presentationml/2006/main">
   <p:cSld>
     <p:spTree>
@@ -42143,7 +42478,7 @@
 </p:sld>
 </file>
 
-<file path=ppt/slides/slide24.xml><?xml version="1.0" encoding="utf-8"?>
+<file path=ppt/slides/slide25.xml><?xml version="1.0" encoding="utf-8"?>
 <p:sld xmlns:a="http://schemas.openxmlformats.org/drawingml/2006/main" xmlns:r="http://schemas.openxmlformats.org/officeDocument/2006/relationships" xmlns:p="http://schemas.openxmlformats.org/presentationml/2006/main">
   <p:cSld>
     <p:spTree>
@@ -42277,7 +42612,7 @@
 </p:sld>
 </file>
 
-<file path=ppt/slides/slide25.xml><?xml version="1.0" encoding="utf-8"?>
+<file path=ppt/slides/slide26.xml><?xml version="1.0" encoding="utf-8"?>
 <p:sld xmlns:a="http://schemas.openxmlformats.org/drawingml/2006/main" xmlns:r="http://schemas.openxmlformats.org/officeDocument/2006/relationships" xmlns:p="http://schemas.openxmlformats.org/presentationml/2006/main">
   <p:cSld>
     <p:spTree>
@@ -42330,7 +42665,7 @@
 </p:sld>
 </file>
 
-<file path=ppt/slides/slide26.xml><?xml version="1.0" encoding="utf-8"?>
+<file path=ppt/slides/slide27.xml><?xml version="1.0" encoding="utf-8"?>
 <p:sld xmlns:a="http://schemas.openxmlformats.org/drawingml/2006/main" xmlns:r="http://schemas.openxmlformats.org/officeDocument/2006/relationships" xmlns:p="http://schemas.openxmlformats.org/presentationml/2006/main">
   <p:cSld>
     <p:spTree>
@@ -42416,7 +42751,7 @@
 </p:sld>
 </file>
 
-<file path=ppt/slides/slide27.xml><?xml version="1.0" encoding="utf-8"?>
+<file path=ppt/slides/slide28.xml><?xml version="1.0" encoding="utf-8"?>
 <p:sld xmlns:a="http://schemas.openxmlformats.org/drawingml/2006/main" xmlns:r="http://schemas.openxmlformats.org/officeDocument/2006/relationships" xmlns:p="http://schemas.openxmlformats.org/presentationml/2006/main">
   <p:cSld>
     <p:spTree>
@@ -42521,894 +42856,6 @@
               <a:t>Elements</a:t>
             </a:r>
             <a:endParaRPr lang="en-IN" sz="2800" b="0" strike="noStrike" spc="-1">
-              <a:latin typeface="Arial"/>
-            </a:endParaRPr>
-          </a:p>
-        </p:txBody>
-      </p:sp>
-    </p:spTree>
-  </p:cSld>
-  <p:clrMapOvr>
-    <a:masterClrMapping/>
-  </p:clrMapOvr>
-  <mc:AlternateContent xmlns:mc="http://schemas.openxmlformats.org/markup-compatibility/2006" xmlns:p14="http://schemas.microsoft.com/office/powerpoint/2010/main">
-    <mc:Choice Requires="p14">
-      <p:transition spd="slow" p14:dur="2000"/>
-    </mc:Choice>
-    <mc:Fallback xmlns:p15="http://schemas.microsoft.com/office/powerpoint/2012/main" xmlns="">
-      <p:transition spd="slow"/>
-    </mc:Fallback>
-  </mc:AlternateContent>
-  <p:timing>
-    <p:tnLst>
-      <p:par>
-        <p:cTn id="1" dur="indefinite" restart="never" nodeType="tmRoot"/>
-      </p:par>
-    </p:tnLst>
-  </p:timing>
-</p:sld>
-</file>
-
-<file path=ppt/slides/slide28.xml><?xml version="1.0" encoding="utf-8"?>
-<p:sld xmlns:a="http://schemas.openxmlformats.org/drawingml/2006/main" xmlns:r="http://schemas.openxmlformats.org/officeDocument/2006/relationships" xmlns:p="http://schemas.openxmlformats.org/presentationml/2006/main">
-  <p:cSld>
-    <p:spTree>
-      <p:nvGrpSpPr>
-        <p:cNvPr id="1" name=""/>
-        <p:cNvGrpSpPr/>
-        <p:nvPr/>
-      </p:nvGrpSpPr>
-      <p:grpSpPr>
-        <a:xfrm>
-          <a:off x="0" y="0"/>
-          <a:ext cx="0" cy="0"/>
-          <a:chOff x="0" y="0"/>
-          <a:chExt cx="0" cy="0"/>
-        </a:xfrm>
-      </p:grpSpPr>
-      <p:sp>
-        <p:nvSpPr>
-          <p:cNvPr id="197" name="TextShape 1"/>
-          <p:cNvSpPr txBox="1"/>
-          <p:nvPr/>
-        </p:nvSpPr>
-        <p:spPr>
-          <a:xfrm>
-            <a:off x="685800" y="685800"/>
-            <a:ext cx="10394280" cy="1151640"/>
-          </a:xfrm>
-          <a:prstGeom prst="rect">
-            <a:avLst/>
-          </a:prstGeom>
-          <a:noFill/>
-          <a:ln>
-            <a:noFill/>
-          </a:ln>
-        </p:spPr>
-        <p:txBody>
-          <a:bodyPr anchor="ctr">
-            <a:noAutofit/>
-          </a:bodyPr>
-          <a:lstStyle/>
-          <a:p>
-            <a:pPr algn="ctr">
-              <a:lnSpc>
-                <a:spcPct val="90000"/>
-              </a:lnSpc>
-            </a:pPr>
-            <a:r>
-              <a:rPr lang="en-US" sz="5400" b="0" strike="noStrike" cap="all" spc="-1">
-                <a:solidFill>
-                  <a:srgbClr val="EE8011"/>
-                </a:solidFill>
-                <a:latin typeface="Impact"/>
-              </a:rPr>
-              <a:t>Elements</a:t>
-            </a:r>
-            <a:endParaRPr lang="en-US" sz="5400" b="0" strike="noStrike" spc="-1">
-              <a:solidFill>
-                <a:srgbClr val="000000"/>
-              </a:solidFill>
-              <a:latin typeface="Impact"/>
-            </a:endParaRPr>
-          </a:p>
-        </p:txBody>
-      </p:sp>
-      <p:sp>
-        <p:nvSpPr>
-          <p:cNvPr id="198" name="TextShape 2"/>
-          <p:cNvSpPr txBox="1"/>
-          <p:nvPr/>
-        </p:nvSpPr>
-        <p:spPr>
-          <a:xfrm>
-            <a:off x="685800" y="2063520"/>
-            <a:ext cx="1436400" cy="576000"/>
-          </a:xfrm>
-          <a:prstGeom prst="rect">
-            <a:avLst/>
-          </a:prstGeom>
-          <a:noFill/>
-          <a:ln>
-            <a:noFill/>
-          </a:ln>
-        </p:spPr>
-        <p:txBody>
-          <a:bodyPr anchor="b">
-            <a:noAutofit/>
-          </a:bodyPr>
-          <a:lstStyle/>
-          <a:p>
-            <a:pPr>
-              <a:lnSpc>
-                <a:spcPct val="90000"/>
-              </a:lnSpc>
-            </a:pPr>
-            <a:r>
-              <a:rPr lang="en-US" sz="2400" b="0" strike="noStrike" spc="-1">
-                <a:solidFill>
-                  <a:srgbClr val="EE8011"/>
-                </a:solidFill>
-                <a:latin typeface="Arial"/>
-              </a:rPr>
-              <a:t>Header</a:t>
-            </a:r>
-            <a:endParaRPr lang="en-US" sz="2400" b="0" strike="noStrike" spc="-1">
-              <a:solidFill>
-                <a:srgbClr val="000000"/>
-              </a:solidFill>
-              <a:latin typeface="Arial"/>
-            </a:endParaRPr>
-          </a:p>
-        </p:txBody>
-      </p:sp>
-      <p:sp>
-        <p:nvSpPr>
-          <p:cNvPr id="199" name="TextShape 3"/>
-          <p:cNvSpPr txBox="1"/>
-          <p:nvPr/>
-        </p:nvSpPr>
-        <p:spPr>
-          <a:xfrm>
-            <a:off x="685800" y="2639520"/>
-            <a:ext cx="1436400" cy="2941920"/>
-          </a:xfrm>
-          <a:prstGeom prst="rect">
-            <a:avLst/>
-          </a:prstGeom>
-          <a:noFill/>
-          <a:ln w="19080">
-            <a:solidFill>
-              <a:srgbClr val="000000"/>
-            </a:solidFill>
-            <a:round/>
-          </a:ln>
-        </p:spPr>
-        <p:txBody>
-          <a:bodyPr>
-            <a:noAutofit/>
-          </a:bodyPr>
-          <a:lstStyle/>
-          <a:p>
-            <a:pPr>
-              <a:lnSpc>
-                <a:spcPct val="150000"/>
-              </a:lnSpc>
-            </a:pPr>
-            <a:r>
-              <a:rPr lang="en-US" sz="2000" b="0" strike="noStrike" spc="-1">
-                <a:solidFill>
-                  <a:srgbClr val="000000"/>
-                </a:solidFill>
-                <a:latin typeface="Arial"/>
-              </a:rPr>
-              <a:t>&lt;head&gt;</a:t>
-            </a:r>
-          </a:p>
-          <a:p>
-            <a:pPr>
-              <a:lnSpc>
-                <a:spcPct val="150000"/>
-              </a:lnSpc>
-            </a:pPr>
-            <a:r>
-              <a:rPr lang="en-US" sz="2000" b="0" strike="noStrike" spc="-1">
-                <a:solidFill>
-                  <a:srgbClr val="000000"/>
-                </a:solidFill>
-                <a:latin typeface="Arial"/>
-              </a:rPr>
-              <a:t>&lt;script&gt;</a:t>
-            </a:r>
-          </a:p>
-          <a:p>
-            <a:pPr>
-              <a:lnSpc>
-                <a:spcPct val="150000"/>
-              </a:lnSpc>
-            </a:pPr>
-            <a:r>
-              <a:rPr lang="en-US" sz="2000" b="0" strike="noStrike" spc="-1">
-                <a:solidFill>
-                  <a:srgbClr val="000000"/>
-                </a:solidFill>
-                <a:latin typeface="Arial"/>
-              </a:rPr>
-              <a:t>&lt;css&gt;</a:t>
-            </a:r>
-          </a:p>
-        </p:txBody>
-      </p:sp>
-      <p:sp>
-        <p:nvSpPr>
-          <p:cNvPr id="200" name="TextShape 4"/>
-          <p:cNvSpPr txBox="1"/>
-          <p:nvPr/>
-        </p:nvSpPr>
-        <p:spPr>
-          <a:xfrm>
-            <a:off x="4234680" y="2063520"/>
-            <a:ext cx="3055680" cy="576000"/>
-          </a:xfrm>
-          <a:prstGeom prst="rect">
-            <a:avLst/>
-          </a:prstGeom>
-          <a:noFill/>
-          <a:ln>
-            <a:noFill/>
-          </a:ln>
-        </p:spPr>
-        <p:txBody>
-          <a:bodyPr anchor="b">
-            <a:noAutofit/>
-          </a:bodyPr>
-          <a:lstStyle/>
-          <a:p>
-            <a:pPr algn="ctr">
-              <a:lnSpc>
-                <a:spcPct val="90000"/>
-              </a:lnSpc>
-            </a:pPr>
-            <a:r>
-              <a:rPr lang="en-US" sz="2400" b="0" strike="noStrike" spc="-1">
-                <a:solidFill>
-                  <a:srgbClr val="EE8011"/>
-                </a:solidFill>
-                <a:latin typeface="Arial"/>
-              </a:rPr>
-              <a:t>Body / Controls</a:t>
-            </a:r>
-            <a:endParaRPr lang="en-US" sz="2400" b="0" strike="noStrike" spc="-1">
-              <a:solidFill>
-                <a:srgbClr val="000000"/>
-              </a:solidFill>
-              <a:latin typeface="Arial"/>
-            </a:endParaRPr>
-          </a:p>
-        </p:txBody>
-      </p:sp>
-      <p:sp>
-        <p:nvSpPr>
-          <p:cNvPr id="201" name="TextShape 5"/>
-          <p:cNvSpPr txBox="1"/>
-          <p:nvPr/>
-        </p:nvSpPr>
-        <p:spPr>
-          <a:xfrm>
-            <a:off x="4167720" y="2639520"/>
-            <a:ext cx="1503360" cy="2941920"/>
-          </a:xfrm>
-          <a:prstGeom prst="rect">
-            <a:avLst/>
-          </a:prstGeom>
-          <a:noFill/>
-          <a:ln w="12600">
-            <a:solidFill>
-              <a:srgbClr val="000000"/>
-            </a:solidFill>
-            <a:round/>
-          </a:ln>
-        </p:spPr>
-        <p:txBody>
-          <a:bodyPr>
-            <a:noAutofit/>
-          </a:bodyPr>
-          <a:lstStyle/>
-          <a:p>
-            <a:pPr>
-              <a:lnSpc>
-                <a:spcPct val="150000"/>
-              </a:lnSpc>
-            </a:pPr>
-            <a:r>
-              <a:rPr lang="en-US" sz="2000" b="0" strike="noStrike" spc="-1">
-                <a:solidFill>
-                  <a:srgbClr val="000000"/>
-                </a:solidFill>
-                <a:latin typeface="Arial"/>
-              </a:rPr>
-              <a:t>&lt;body&gt;</a:t>
-            </a:r>
-          </a:p>
-          <a:p>
-            <a:pPr>
-              <a:lnSpc>
-                <a:spcPct val="150000"/>
-              </a:lnSpc>
-            </a:pPr>
-            <a:r>
-              <a:rPr lang="en-US" sz="2000" b="0" strike="noStrike" spc="-1">
-                <a:solidFill>
-                  <a:srgbClr val="000000"/>
-                </a:solidFill>
-                <a:latin typeface="Arial"/>
-              </a:rPr>
-              <a:t>&lt;form&gt;</a:t>
-            </a:r>
-          </a:p>
-          <a:p>
-            <a:pPr>
-              <a:lnSpc>
-                <a:spcPct val="150000"/>
-              </a:lnSpc>
-            </a:pPr>
-            <a:r>
-              <a:rPr lang="en-US" sz="2000" b="0" strike="noStrike" spc="-1">
-                <a:solidFill>
-                  <a:srgbClr val="000000"/>
-                </a:solidFill>
-                <a:latin typeface="Arial"/>
-              </a:rPr>
-              <a:t>&lt;input&gt;</a:t>
-            </a:r>
-          </a:p>
-          <a:p>
-            <a:pPr>
-              <a:lnSpc>
-                <a:spcPct val="150000"/>
-              </a:lnSpc>
-            </a:pPr>
-            <a:r>
-              <a:rPr lang="en-US" sz="2000" b="0" strike="noStrike" spc="-1">
-                <a:solidFill>
-                  <a:srgbClr val="000000"/>
-                </a:solidFill>
-                <a:latin typeface="Arial"/>
-              </a:rPr>
-              <a:t>&lt;button&gt;</a:t>
-            </a:r>
-          </a:p>
-          <a:p>
-            <a:pPr>
-              <a:lnSpc>
-                <a:spcPct val="150000"/>
-              </a:lnSpc>
-            </a:pPr>
-            <a:r>
-              <a:rPr lang="en-US" sz="2000" b="0" strike="noStrike" spc="-1">
-                <a:solidFill>
-                  <a:srgbClr val="000000"/>
-                </a:solidFill>
-                <a:latin typeface="Arial"/>
-              </a:rPr>
-              <a:t>&lt;checkbox&gt;</a:t>
-            </a:r>
-          </a:p>
-          <a:p>
-            <a:pPr>
-              <a:lnSpc>
-                <a:spcPct val="150000"/>
-              </a:lnSpc>
-            </a:pPr>
-            <a:endParaRPr lang="en-US" sz="2000" b="0" strike="noStrike" spc="-1">
-              <a:solidFill>
-                <a:srgbClr val="000000"/>
-              </a:solidFill>
-              <a:latin typeface="Arial"/>
-            </a:endParaRPr>
-          </a:p>
-        </p:txBody>
-      </p:sp>
-      <p:sp>
-        <p:nvSpPr>
-          <p:cNvPr id="202" name="TextShape 6"/>
-          <p:cNvSpPr txBox="1"/>
-          <p:nvPr/>
-        </p:nvSpPr>
-        <p:spPr>
-          <a:xfrm>
-            <a:off x="7770240" y="2063520"/>
-            <a:ext cx="3309840" cy="576000"/>
-          </a:xfrm>
-          <a:prstGeom prst="rect">
-            <a:avLst/>
-          </a:prstGeom>
-          <a:noFill/>
-          <a:ln>
-            <a:noFill/>
-          </a:ln>
-        </p:spPr>
-        <p:txBody>
-          <a:bodyPr anchor="b">
-            <a:noAutofit/>
-          </a:bodyPr>
-          <a:lstStyle/>
-          <a:p>
-            <a:endParaRPr lang="en-US" sz="2400" b="0" strike="noStrike" spc="-1">
-              <a:solidFill>
-                <a:srgbClr val="000000"/>
-              </a:solidFill>
-              <a:latin typeface="Arial"/>
-            </a:endParaRPr>
-          </a:p>
-        </p:txBody>
-      </p:sp>
-      <p:sp>
-        <p:nvSpPr>
-          <p:cNvPr id="203" name="TextShape 7"/>
-          <p:cNvSpPr txBox="1"/>
-          <p:nvPr/>
-        </p:nvSpPr>
-        <p:spPr>
-          <a:xfrm>
-            <a:off x="7770240" y="2639520"/>
-            <a:ext cx="1613880" cy="2941920"/>
-          </a:xfrm>
-          <a:prstGeom prst="rect">
-            <a:avLst/>
-          </a:prstGeom>
-          <a:noFill/>
-          <a:ln w="19080">
-            <a:solidFill>
-              <a:srgbClr val="000000"/>
-            </a:solidFill>
-            <a:round/>
-          </a:ln>
-        </p:spPr>
-        <p:txBody>
-          <a:bodyPr>
-            <a:normAutofit/>
-          </a:bodyPr>
-          <a:lstStyle/>
-          <a:p>
-            <a:pPr>
-              <a:lnSpc>
-                <a:spcPct val="150000"/>
-              </a:lnSpc>
-            </a:pPr>
-            <a:r>
-              <a:rPr lang="en-US" sz="2000" b="0" strike="noStrike" spc="-1">
-                <a:solidFill>
-                  <a:srgbClr val="000000"/>
-                </a:solidFill>
-                <a:latin typeface="Arial"/>
-              </a:rPr>
-              <a:t>&lt;div&gt;</a:t>
-            </a:r>
-          </a:p>
-          <a:p>
-            <a:pPr>
-              <a:lnSpc>
-                <a:spcPct val="150000"/>
-              </a:lnSpc>
-            </a:pPr>
-            <a:r>
-              <a:rPr lang="en-US" sz="2000" b="0" strike="noStrike" spc="-1">
-                <a:solidFill>
-                  <a:srgbClr val="000000"/>
-                </a:solidFill>
-                <a:latin typeface="Arial"/>
-              </a:rPr>
-              <a:t>&lt;span&gt;</a:t>
-            </a:r>
-          </a:p>
-          <a:p>
-            <a:pPr>
-              <a:lnSpc>
-                <a:spcPct val="150000"/>
-              </a:lnSpc>
-            </a:pPr>
-            <a:r>
-              <a:rPr lang="en-US" sz="2000" b="0" strike="noStrike" spc="-1">
-                <a:solidFill>
-                  <a:srgbClr val="000000"/>
-                </a:solidFill>
-                <a:latin typeface="Arial"/>
-              </a:rPr>
-              <a:t>&lt;br&gt;</a:t>
-            </a:r>
-          </a:p>
-          <a:p>
-            <a:pPr>
-              <a:lnSpc>
-                <a:spcPct val="150000"/>
-              </a:lnSpc>
-            </a:pPr>
-            <a:r>
-              <a:rPr lang="en-US" sz="2000" b="0" strike="noStrike" spc="-1">
-                <a:solidFill>
-                  <a:srgbClr val="000000"/>
-                </a:solidFill>
-                <a:latin typeface="Arial"/>
-              </a:rPr>
-              <a:t>&lt;p&gt;</a:t>
-            </a:r>
-          </a:p>
-          <a:p>
-            <a:pPr>
-              <a:lnSpc>
-                <a:spcPct val="150000"/>
-              </a:lnSpc>
-            </a:pPr>
-            <a:endParaRPr lang="en-US" sz="2000" b="0" strike="noStrike" spc="-1">
-              <a:solidFill>
-                <a:srgbClr val="000000"/>
-              </a:solidFill>
-              <a:latin typeface="Arial"/>
-            </a:endParaRPr>
-          </a:p>
-        </p:txBody>
-      </p:sp>
-      <p:sp>
-        <p:nvSpPr>
-          <p:cNvPr id="204" name="CustomShape 8"/>
-          <p:cNvSpPr/>
-          <p:nvPr/>
-        </p:nvSpPr>
-        <p:spPr>
-          <a:xfrm>
-            <a:off x="2305080" y="2063520"/>
-            <a:ext cx="1503360" cy="576000"/>
-          </a:xfrm>
-          <a:prstGeom prst="rect">
-            <a:avLst/>
-          </a:prstGeom>
-          <a:noFill/>
-          <a:ln>
-            <a:noFill/>
-          </a:ln>
-        </p:spPr>
-        <p:style>
-          <a:lnRef idx="0">
-            <a:scrgbClr r="0" g="0" b="0"/>
-          </a:lnRef>
-          <a:fillRef idx="0">
-            <a:scrgbClr r="0" g="0" b="0"/>
-          </a:fillRef>
-          <a:effectRef idx="0">
-            <a:scrgbClr r="0" g="0" b="0"/>
-          </a:effectRef>
-          <a:fontRef idx="minor"/>
-        </p:style>
-        <p:txBody>
-          <a:bodyPr anchor="b">
-            <a:noAutofit/>
-          </a:bodyPr>
-          <a:lstStyle/>
-          <a:p>
-            <a:pPr>
-              <a:lnSpc>
-                <a:spcPct val="90000"/>
-              </a:lnSpc>
-              <a:spcBef>
-                <a:spcPts val="1001"/>
-              </a:spcBef>
-            </a:pPr>
-            <a:r>
-              <a:rPr lang="en-US" sz="2400" b="0" strike="noStrike" cap="all" spc="-1">
-                <a:solidFill>
-                  <a:srgbClr val="EE8011"/>
-                </a:solidFill>
-                <a:latin typeface="Impact"/>
-              </a:rPr>
-              <a:t>Links</a:t>
-            </a:r>
-            <a:endParaRPr lang="en-IN" sz="2400" b="0" strike="noStrike" spc="-1">
-              <a:latin typeface="Arial"/>
-            </a:endParaRPr>
-          </a:p>
-        </p:txBody>
-      </p:sp>
-      <p:sp>
-        <p:nvSpPr>
-          <p:cNvPr id="205" name="CustomShape 9"/>
-          <p:cNvSpPr/>
-          <p:nvPr/>
-        </p:nvSpPr>
-        <p:spPr>
-          <a:xfrm>
-            <a:off x="2306160" y="2639520"/>
-            <a:ext cx="1502640" cy="2941920"/>
-          </a:xfrm>
-          <a:prstGeom prst="rect">
-            <a:avLst/>
-          </a:prstGeom>
-          <a:noFill/>
-          <a:ln w="19080">
-            <a:solidFill>
-              <a:schemeClr val="tx1"/>
-            </a:solidFill>
-            <a:round/>
-          </a:ln>
-        </p:spPr>
-        <p:style>
-          <a:lnRef idx="0">
-            <a:scrgbClr r="0" g="0" b="0"/>
-          </a:lnRef>
-          <a:fillRef idx="0">
-            <a:scrgbClr r="0" g="0" b="0"/>
-          </a:fillRef>
-          <a:effectRef idx="0">
-            <a:scrgbClr r="0" g="0" b="0"/>
-          </a:effectRef>
-          <a:fontRef idx="minor"/>
-        </p:style>
-        <p:txBody>
-          <a:bodyPr>
-            <a:normAutofit/>
-          </a:bodyPr>
-          <a:lstStyle/>
-          <a:p>
-            <a:pPr>
-              <a:lnSpc>
-                <a:spcPct val="150000"/>
-              </a:lnSpc>
-            </a:pPr>
-            <a:r>
-              <a:rPr lang="en-US" sz="2000" b="0" strike="noStrike" spc="-1">
-                <a:solidFill>
-                  <a:srgbClr val="000000"/>
-                </a:solidFill>
-                <a:latin typeface="Impact"/>
-              </a:rPr>
-              <a:t>&lt;a&gt;</a:t>
-            </a:r>
-            <a:endParaRPr lang="en-IN" sz="2000" b="0" strike="noStrike" spc="-1">
-              <a:latin typeface="Arial"/>
-            </a:endParaRPr>
-          </a:p>
-          <a:p>
-            <a:pPr>
-              <a:lnSpc>
-                <a:spcPct val="150000"/>
-              </a:lnSpc>
-            </a:pPr>
-            <a:r>
-              <a:rPr lang="en-US" sz="2000" b="0" strike="noStrike" spc="-1">
-                <a:solidFill>
-                  <a:srgbClr val="000000"/>
-                </a:solidFill>
-                <a:latin typeface="Impact"/>
-              </a:rPr>
-              <a:t>&lt;img&gt;</a:t>
-            </a:r>
-            <a:endParaRPr lang="en-IN" sz="2000" b="0" strike="noStrike" spc="-1">
-              <a:latin typeface="Arial"/>
-            </a:endParaRPr>
-          </a:p>
-        </p:txBody>
-      </p:sp>
-      <p:sp>
-        <p:nvSpPr>
-          <p:cNvPr id="206" name="CustomShape 10"/>
-          <p:cNvSpPr/>
-          <p:nvPr/>
-        </p:nvSpPr>
-        <p:spPr>
-          <a:xfrm>
-            <a:off x="5853600" y="2639520"/>
-            <a:ext cx="1436400" cy="2941920"/>
-          </a:xfrm>
-          <a:prstGeom prst="rect">
-            <a:avLst/>
-          </a:prstGeom>
-          <a:noFill/>
-          <a:ln w="12600">
-            <a:solidFill>
-              <a:schemeClr val="tx1"/>
-            </a:solidFill>
-            <a:round/>
-          </a:ln>
-        </p:spPr>
-        <p:style>
-          <a:lnRef idx="0">
-            <a:scrgbClr r="0" g="0" b="0"/>
-          </a:lnRef>
-          <a:fillRef idx="0">
-            <a:scrgbClr r="0" g="0" b="0"/>
-          </a:fillRef>
-          <a:effectRef idx="0">
-            <a:scrgbClr r="0" g="0" b="0"/>
-          </a:effectRef>
-          <a:fontRef idx="minor"/>
-        </p:style>
-        <p:txBody>
-          <a:bodyPr>
-            <a:noAutofit/>
-          </a:bodyPr>
-          <a:lstStyle/>
-          <a:p>
-            <a:pPr>
-              <a:lnSpc>
-                <a:spcPct val="150000"/>
-              </a:lnSpc>
-            </a:pPr>
-            <a:r>
-              <a:rPr lang="en-US" sz="2000" b="0" strike="noStrike" spc="-1">
-                <a:solidFill>
-                  <a:srgbClr val="000000"/>
-                </a:solidFill>
-                <a:latin typeface="Impact"/>
-              </a:rPr>
-              <a:t>&lt;option&gt;</a:t>
-            </a:r>
-            <a:endParaRPr lang="en-IN" sz="2000" b="0" strike="noStrike" spc="-1">
-              <a:latin typeface="Arial"/>
-            </a:endParaRPr>
-          </a:p>
-          <a:p>
-            <a:pPr>
-              <a:lnSpc>
-                <a:spcPct val="150000"/>
-              </a:lnSpc>
-            </a:pPr>
-            <a:r>
-              <a:rPr lang="en-US" sz="2000" b="0" strike="noStrike" spc="-1">
-                <a:solidFill>
-                  <a:srgbClr val="000000"/>
-                </a:solidFill>
-                <a:latin typeface="Impact"/>
-              </a:rPr>
-              <a:t>&lt;ul&gt; &lt;li&gt;</a:t>
-            </a:r>
-            <a:endParaRPr lang="en-IN" sz="2000" b="0" strike="noStrike" spc="-1">
-              <a:latin typeface="Arial"/>
-            </a:endParaRPr>
-          </a:p>
-          <a:p>
-            <a:pPr>
-              <a:lnSpc>
-                <a:spcPct val="150000"/>
-              </a:lnSpc>
-            </a:pPr>
-            <a:r>
-              <a:rPr lang="en-US" sz="2000" b="0" strike="noStrike" spc="-1">
-                <a:solidFill>
-                  <a:srgbClr val="000000"/>
-                </a:solidFill>
-                <a:latin typeface="Impact"/>
-              </a:rPr>
-              <a:t>&lt;ol&gt;</a:t>
-            </a:r>
-            <a:endParaRPr lang="en-IN" sz="2000" b="0" strike="noStrike" spc="-1">
-              <a:latin typeface="Arial"/>
-            </a:endParaRPr>
-          </a:p>
-          <a:p>
-            <a:pPr>
-              <a:lnSpc>
-                <a:spcPct val="150000"/>
-              </a:lnSpc>
-            </a:pPr>
-            <a:r>
-              <a:rPr lang="en-US" sz="2000" b="0" strike="noStrike" spc="-1">
-                <a:solidFill>
-                  <a:srgbClr val="000000"/>
-                </a:solidFill>
-                <a:latin typeface="Impact"/>
-              </a:rPr>
-              <a:t>&lt;table&gt;</a:t>
-            </a:r>
-            <a:endParaRPr lang="en-IN" sz="2000" b="0" strike="noStrike" spc="-1">
-              <a:latin typeface="Arial"/>
-            </a:endParaRPr>
-          </a:p>
-          <a:p>
-            <a:pPr>
-              <a:lnSpc>
-                <a:spcPct val="150000"/>
-              </a:lnSpc>
-            </a:pPr>
-            <a:r>
-              <a:rPr lang="en-US" sz="2000" b="0" strike="noStrike" spc="-1">
-                <a:solidFill>
-                  <a:srgbClr val="000000"/>
-                </a:solidFill>
-                <a:latin typeface="Impact"/>
-              </a:rPr>
-              <a:t>&lt;th&gt;</a:t>
-            </a:r>
-            <a:endParaRPr lang="en-IN" sz="2000" b="0" strike="noStrike" spc="-1">
-              <a:latin typeface="Arial"/>
-            </a:endParaRPr>
-          </a:p>
-          <a:p>
-            <a:pPr>
-              <a:lnSpc>
-                <a:spcPct val="150000"/>
-              </a:lnSpc>
-            </a:pPr>
-            <a:r>
-              <a:rPr lang="en-US" sz="2000" b="0" strike="noStrike" spc="-1">
-                <a:solidFill>
-                  <a:srgbClr val="000000"/>
-                </a:solidFill>
-                <a:latin typeface="Impact"/>
-              </a:rPr>
-              <a:t>&lt;tr&gt; &lt;td&gt;</a:t>
-            </a:r>
-            <a:endParaRPr lang="en-IN" sz="2000" b="0" strike="noStrike" spc="-1">
-              <a:latin typeface="Arial"/>
-            </a:endParaRPr>
-          </a:p>
-          <a:p>
-            <a:pPr>
-              <a:lnSpc>
-                <a:spcPct val="150000"/>
-              </a:lnSpc>
-            </a:pPr>
-            <a:endParaRPr lang="en-IN" sz="2000" b="0" strike="noStrike" spc="-1">
-              <a:latin typeface="Arial"/>
-            </a:endParaRPr>
-          </a:p>
-        </p:txBody>
-      </p:sp>
-      <p:sp>
-        <p:nvSpPr>
-          <p:cNvPr id="207" name="CustomShape 11"/>
-          <p:cNvSpPr/>
-          <p:nvPr/>
-        </p:nvSpPr>
-        <p:spPr>
-          <a:xfrm>
-            <a:off x="9498960" y="2639520"/>
-            <a:ext cx="1581480" cy="2941920"/>
-          </a:xfrm>
-          <a:prstGeom prst="rect">
-            <a:avLst/>
-          </a:prstGeom>
-          <a:noFill/>
-          <a:ln w="19080">
-            <a:solidFill>
-              <a:schemeClr val="tx1"/>
-            </a:solidFill>
-            <a:round/>
-          </a:ln>
-        </p:spPr>
-        <p:style>
-          <a:lnRef idx="0">
-            <a:scrgbClr r="0" g="0" b="0"/>
-          </a:lnRef>
-          <a:fillRef idx="0">
-            <a:scrgbClr r="0" g="0" b="0"/>
-          </a:fillRef>
-          <a:effectRef idx="0">
-            <a:scrgbClr r="0" g="0" b="0"/>
-          </a:effectRef>
-          <a:fontRef idx="minor"/>
-        </p:style>
-        <p:txBody>
-          <a:bodyPr>
-            <a:normAutofit/>
-          </a:bodyPr>
-          <a:lstStyle/>
-          <a:p>
-            <a:pPr>
-              <a:lnSpc>
-                <a:spcPct val="150000"/>
-              </a:lnSpc>
-            </a:pPr>
-            <a:endParaRPr lang="en-IN" sz="2000" b="0" strike="noStrike" spc="-1" dirty="0">
-              <a:latin typeface="Arial"/>
-            </a:endParaRPr>
-          </a:p>
-          <a:p>
-            <a:pPr>
-              <a:lnSpc>
-                <a:spcPct val="150000"/>
-              </a:lnSpc>
-            </a:pPr>
-            <a:endParaRPr lang="en-IN" sz="2000" b="0" strike="noStrike" spc="-1" dirty="0">
               <a:latin typeface="Arial"/>
             </a:endParaRPr>
           </a:p>
@@ -43456,14 +42903,62 @@
       </p:grpSpPr>
       <p:sp>
         <p:nvSpPr>
-          <p:cNvPr id="208" name="TextShape 1"/>
+          <p:cNvPr id="197" name="TextShape 1"/>
           <p:cNvSpPr txBox="1"/>
           <p:nvPr/>
         </p:nvSpPr>
         <p:spPr>
           <a:xfrm>
             <a:off x="685800" y="685800"/>
-            <a:ext cx="10394280" cy="3193200"/>
+            <a:ext cx="10394280" cy="1151640"/>
+          </a:xfrm>
+          <a:prstGeom prst="rect">
+            <a:avLst/>
+          </a:prstGeom>
+          <a:noFill/>
+          <a:ln>
+            <a:noFill/>
+          </a:ln>
+        </p:spPr>
+        <p:txBody>
+          <a:bodyPr anchor="ctr">
+            <a:noAutofit/>
+          </a:bodyPr>
+          <a:lstStyle/>
+          <a:p>
+            <a:pPr algn="ctr">
+              <a:lnSpc>
+                <a:spcPct val="90000"/>
+              </a:lnSpc>
+            </a:pPr>
+            <a:r>
+              <a:rPr lang="en-US" sz="5400" b="0" strike="noStrike" cap="all" spc="-1">
+                <a:solidFill>
+                  <a:srgbClr val="EE8011"/>
+                </a:solidFill>
+                <a:latin typeface="Impact"/>
+              </a:rPr>
+              <a:t>Elements</a:t>
+            </a:r>
+            <a:endParaRPr lang="en-US" sz="5400" b="0" strike="noStrike" spc="-1">
+              <a:solidFill>
+                <a:srgbClr val="000000"/>
+              </a:solidFill>
+              <a:latin typeface="Impact"/>
+            </a:endParaRPr>
+          </a:p>
+        </p:txBody>
+      </p:sp>
+      <p:sp>
+        <p:nvSpPr>
+          <p:cNvPr id="198" name="TextShape 2"/>
+          <p:cNvSpPr txBox="1"/>
+          <p:nvPr/>
+        </p:nvSpPr>
+        <p:spPr>
+          <a:xfrm>
+            <a:off x="685800" y="2063520"/>
+            <a:ext cx="1436400" cy="576000"/>
           </a:xfrm>
           <a:prstGeom prst="rect">
             <a:avLst/>
@@ -43485,33 +42980,110 @@
               </a:lnSpc>
             </a:pPr>
             <a:r>
-              <a:rPr lang="en-US" sz="5400" b="0" strike="noStrike" cap="all" spc="-1">
+              <a:rPr lang="en-US" sz="2400" b="0" strike="noStrike" spc="-1">
                 <a:solidFill>
                   <a:srgbClr val="EE8011"/>
                 </a:solidFill>
-                <a:latin typeface="Impact"/>
+                <a:latin typeface="Arial"/>
               </a:rPr>
-              <a:t>Style Attribute</a:t>
+              <a:t>Header</a:t>
             </a:r>
-            <a:endParaRPr lang="en-US" sz="5400" b="0" strike="noStrike" spc="-1">
+            <a:endParaRPr lang="en-US" sz="2400" b="0" strike="noStrike" spc="-1">
               <a:solidFill>
                 <a:srgbClr val="000000"/>
               </a:solidFill>
-              <a:latin typeface="Impact"/>
+              <a:latin typeface="Arial"/>
             </a:endParaRPr>
           </a:p>
         </p:txBody>
       </p:sp>
       <p:sp>
         <p:nvSpPr>
-          <p:cNvPr id="209" name="TextShape 2"/>
+          <p:cNvPr id="199" name="TextShape 3"/>
           <p:cNvSpPr txBox="1"/>
           <p:nvPr/>
         </p:nvSpPr>
         <p:spPr>
           <a:xfrm>
-            <a:off x="685800" y="3742200"/>
-            <a:ext cx="10394280" cy="1639080"/>
+            <a:off x="685800" y="2639520"/>
+            <a:ext cx="1436400" cy="2941920"/>
+          </a:xfrm>
+          <a:prstGeom prst="rect">
+            <a:avLst/>
+          </a:prstGeom>
+          <a:noFill/>
+          <a:ln w="19080">
+            <a:solidFill>
+              <a:srgbClr val="000000"/>
+            </a:solidFill>
+            <a:round/>
+          </a:ln>
+        </p:spPr>
+        <p:txBody>
+          <a:bodyPr>
+            <a:noAutofit/>
+          </a:bodyPr>
+          <a:lstStyle/>
+          <a:p>
+            <a:pPr>
+              <a:lnSpc>
+                <a:spcPct val="150000"/>
+              </a:lnSpc>
+            </a:pPr>
+            <a:r>
+              <a:rPr lang="en-US" sz="2000" b="0" strike="noStrike" spc="-1">
+                <a:solidFill>
+                  <a:srgbClr val="000000"/>
+                </a:solidFill>
+                <a:latin typeface="Arial"/>
+              </a:rPr>
+              <a:t>&lt;head&gt;</a:t>
+            </a:r>
+          </a:p>
+          <a:p>
+            <a:pPr>
+              <a:lnSpc>
+                <a:spcPct val="150000"/>
+              </a:lnSpc>
+            </a:pPr>
+            <a:r>
+              <a:rPr lang="en-US" sz="2000" b="0" strike="noStrike" spc="-1">
+                <a:solidFill>
+                  <a:srgbClr val="000000"/>
+                </a:solidFill>
+                <a:latin typeface="Arial"/>
+              </a:rPr>
+              <a:t>&lt;script&gt;</a:t>
+            </a:r>
+          </a:p>
+          <a:p>
+            <a:pPr>
+              <a:lnSpc>
+                <a:spcPct val="150000"/>
+              </a:lnSpc>
+            </a:pPr>
+            <a:r>
+              <a:rPr lang="en-US" sz="2000" b="0" strike="noStrike" spc="-1">
+                <a:solidFill>
+                  <a:srgbClr val="000000"/>
+                </a:solidFill>
+                <a:latin typeface="Arial"/>
+              </a:rPr>
+              <a:t>&lt;css&gt;</a:t>
+            </a:r>
+          </a:p>
+        </p:txBody>
+      </p:sp>
+      <p:sp>
+        <p:nvSpPr>
+          <p:cNvPr id="200" name="TextShape 4"/>
+          <p:cNvSpPr txBox="1"/>
+          <p:nvPr/>
+        </p:nvSpPr>
+        <p:spPr>
+          <a:xfrm>
+            <a:off x="4234680" y="2063520"/>
+            <a:ext cx="3055680" cy="576000"/>
           </a:xfrm>
           <a:prstGeom prst="rect">
             <a:avLst/>
@@ -43522,6 +43094,57 @@
           </a:ln>
         </p:spPr>
         <p:txBody>
+          <a:bodyPr anchor="b">
+            <a:noAutofit/>
+          </a:bodyPr>
+          <a:lstStyle/>
+          <a:p>
+            <a:pPr algn="ctr">
+              <a:lnSpc>
+                <a:spcPct val="90000"/>
+              </a:lnSpc>
+            </a:pPr>
+            <a:r>
+              <a:rPr lang="en-US" sz="2400" b="0" strike="noStrike" spc="-1">
+                <a:solidFill>
+                  <a:srgbClr val="EE8011"/>
+                </a:solidFill>
+                <a:latin typeface="Arial"/>
+              </a:rPr>
+              <a:t>Body / Controls</a:t>
+            </a:r>
+            <a:endParaRPr lang="en-US" sz="2400" b="0" strike="noStrike" spc="-1">
+              <a:solidFill>
+                <a:srgbClr val="000000"/>
+              </a:solidFill>
+              <a:latin typeface="Arial"/>
+            </a:endParaRPr>
+          </a:p>
+        </p:txBody>
+      </p:sp>
+      <p:sp>
+        <p:nvSpPr>
+          <p:cNvPr id="201" name="TextShape 5"/>
+          <p:cNvSpPr txBox="1"/>
+          <p:nvPr/>
+        </p:nvSpPr>
+        <p:spPr>
+          <a:xfrm>
+            <a:off x="4167720" y="2639520"/>
+            <a:ext cx="1503360" cy="2941920"/>
+          </a:xfrm>
+          <a:prstGeom prst="rect">
+            <a:avLst/>
+          </a:prstGeom>
+          <a:noFill/>
+          <a:ln w="12600">
+            <a:solidFill>
+              <a:srgbClr val="000000"/>
+            </a:solidFill>
+            <a:round/>
+          </a:ln>
+        </p:spPr>
+        <p:txBody>
           <a:bodyPr>
             <a:noAutofit/>
           </a:bodyPr>
@@ -43529,22 +43152,616 @@
           <a:p>
             <a:pPr>
               <a:lnSpc>
-                <a:spcPct val="100000"/>
+                <a:spcPct val="150000"/>
               </a:lnSpc>
             </a:pPr>
             <a:r>
-              <a:rPr lang="en-IN" sz="2000" b="0" strike="noStrike" spc="-1">
+              <a:rPr lang="en-US" sz="2000" b="0" strike="noStrike" spc="-1">
                 <a:solidFill>
-                  <a:srgbClr val="808080"/>
+                  <a:srgbClr val="000000"/>
                 </a:solidFill>
                 <a:latin typeface="Arial"/>
               </a:rPr>
-              <a:t>Setting the style of an HTML element</a:t>
+              <a:t>&lt;body&gt;</a:t>
             </a:r>
+          </a:p>
+          <a:p>
+            <a:pPr>
+              <a:lnSpc>
+                <a:spcPct val="150000"/>
+              </a:lnSpc>
+            </a:pPr>
+            <a:r>
+              <a:rPr lang="en-US" sz="2000" b="0" strike="noStrike" spc="-1">
+                <a:solidFill>
+                  <a:srgbClr val="000000"/>
+                </a:solidFill>
+                <a:latin typeface="Arial"/>
+              </a:rPr>
+              <a:t>&lt;form&gt;</a:t>
+            </a:r>
+          </a:p>
+          <a:p>
+            <a:pPr>
+              <a:lnSpc>
+                <a:spcPct val="150000"/>
+              </a:lnSpc>
+            </a:pPr>
+            <a:r>
+              <a:rPr lang="en-US" sz="2000" b="0" strike="noStrike" spc="-1">
+                <a:solidFill>
+                  <a:srgbClr val="000000"/>
+                </a:solidFill>
+                <a:latin typeface="Arial"/>
+              </a:rPr>
+              <a:t>&lt;input&gt;</a:t>
+            </a:r>
+          </a:p>
+          <a:p>
+            <a:pPr>
+              <a:lnSpc>
+                <a:spcPct val="150000"/>
+              </a:lnSpc>
+            </a:pPr>
+            <a:r>
+              <a:rPr lang="en-US" sz="2000" b="0" strike="noStrike" spc="-1">
+                <a:solidFill>
+                  <a:srgbClr val="000000"/>
+                </a:solidFill>
+                <a:latin typeface="Arial"/>
+              </a:rPr>
+              <a:t>&lt;button&gt;</a:t>
+            </a:r>
+          </a:p>
+          <a:p>
+            <a:pPr>
+              <a:lnSpc>
+                <a:spcPct val="150000"/>
+              </a:lnSpc>
+            </a:pPr>
+            <a:r>
+              <a:rPr lang="en-US" sz="2000" b="0" strike="noStrike" spc="-1">
+                <a:solidFill>
+                  <a:srgbClr val="000000"/>
+                </a:solidFill>
+                <a:latin typeface="Arial"/>
+              </a:rPr>
+              <a:t>&lt;checkbox&gt;</a:t>
+            </a:r>
+          </a:p>
+          <a:p>
+            <a:pPr>
+              <a:lnSpc>
+                <a:spcPct val="150000"/>
+              </a:lnSpc>
+            </a:pPr>
             <a:endParaRPr lang="en-US" sz="2000" b="0" strike="noStrike" spc="-1">
               <a:solidFill>
                 <a:srgbClr val="000000"/>
               </a:solidFill>
+              <a:latin typeface="Arial"/>
+            </a:endParaRPr>
+          </a:p>
+        </p:txBody>
+      </p:sp>
+      <p:sp>
+        <p:nvSpPr>
+          <p:cNvPr id="202" name="TextShape 6"/>
+          <p:cNvSpPr txBox="1"/>
+          <p:nvPr/>
+        </p:nvSpPr>
+        <p:spPr>
+          <a:xfrm>
+            <a:off x="7770240" y="2063520"/>
+            <a:ext cx="3309840" cy="576000"/>
+          </a:xfrm>
+          <a:prstGeom prst="rect">
+            <a:avLst/>
+          </a:prstGeom>
+          <a:noFill/>
+          <a:ln>
+            <a:noFill/>
+          </a:ln>
+        </p:spPr>
+        <p:txBody>
+          <a:bodyPr anchor="b">
+            <a:noAutofit/>
+          </a:bodyPr>
+          <a:lstStyle/>
+          <a:p>
+            <a:endParaRPr lang="en-US" sz="2400" b="0" strike="noStrike" spc="-1">
+              <a:solidFill>
+                <a:srgbClr val="000000"/>
+              </a:solidFill>
+              <a:latin typeface="Arial"/>
+            </a:endParaRPr>
+          </a:p>
+        </p:txBody>
+      </p:sp>
+      <p:sp>
+        <p:nvSpPr>
+          <p:cNvPr id="203" name="TextShape 7"/>
+          <p:cNvSpPr txBox="1"/>
+          <p:nvPr/>
+        </p:nvSpPr>
+        <p:spPr>
+          <a:xfrm>
+            <a:off x="7770240" y="2639520"/>
+            <a:ext cx="1613880" cy="2941920"/>
+          </a:xfrm>
+          <a:prstGeom prst="rect">
+            <a:avLst/>
+          </a:prstGeom>
+          <a:noFill/>
+          <a:ln w="19080">
+            <a:solidFill>
+              <a:srgbClr val="000000"/>
+            </a:solidFill>
+            <a:round/>
+          </a:ln>
+        </p:spPr>
+        <p:txBody>
+          <a:bodyPr>
+            <a:normAutofit/>
+          </a:bodyPr>
+          <a:lstStyle/>
+          <a:p>
+            <a:pPr>
+              <a:lnSpc>
+                <a:spcPct val="150000"/>
+              </a:lnSpc>
+            </a:pPr>
+            <a:r>
+              <a:rPr lang="en-US" sz="2000" b="0" strike="noStrike" spc="-1" dirty="0">
+                <a:solidFill>
+                  <a:srgbClr val="000000"/>
+                </a:solidFill>
+                <a:latin typeface="Arial"/>
+              </a:rPr>
+              <a:t>&lt;div&gt;</a:t>
+            </a:r>
+          </a:p>
+          <a:p>
+            <a:pPr>
+              <a:lnSpc>
+                <a:spcPct val="150000"/>
+              </a:lnSpc>
+            </a:pPr>
+            <a:r>
+              <a:rPr lang="en-US" sz="2000" b="0" strike="noStrike" spc="-1" dirty="0">
+                <a:solidFill>
+                  <a:srgbClr val="000000"/>
+                </a:solidFill>
+                <a:latin typeface="Arial"/>
+              </a:rPr>
+              <a:t>&lt;span&gt;</a:t>
+            </a:r>
+          </a:p>
+          <a:p>
+            <a:pPr>
+              <a:lnSpc>
+                <a:spcPct val="150000"/>
+              </a:lnSpc>
+            </a:pPr>
+            <a:r>
+              <a:rPr lang="en-US" sz="2000" b="0" strike="noStrike" spc="-1" dirty="0">
+                <a:solidFill>
+                  <a:srgbClr val="000000"/>
+                </a:solidFill>
+                <a:latin typeface="Arial"/>
+              </a:rPr>
+              <a:t>&lt;</a:t>
+            </a:r>
+            <a:r>
+              <a:rPr lang="en-US" sz="2000" b="0" strike="noStrike" spc="-1" dirty="0" err="1">
+                <a:solidFill>
+                  <a:srgbClr val="000000"/>
+                </a:solidFill>
+                <a:latin typeface="Arial"/>
+              </a:rPr>
+              <a:t>br</a:t>
+            </a:r>
+            <a:r>
+              <a:rPr lang="en-US" sz="2000" b="0" strike="noStrike" spc="-1" dirty="0">
+                <a:solidFill>
+                  <a:srgbClr val="000000"/>
+                </a:solidFill>
+                <a:latin typeface="Arial"/>
+              </a:rPr>
+              <a:t>&gt;</a:t>
+            </a:r>
+          </a:p>
+          <a:p>
+            <a:pPr>
+              <a:lnSpc>
+                <a:spcPct val="150000"/>
+              </a:lnSpc>
+            </a:pPr>
+            <a:r>
+              <a:rPr lang="en-US" sz="2000" b="0" strike="noStrike" spc="-1" dirty="0">
+                <a:solidFill>
+                  <a:srgbClr val="000000"/>
+                </a:solidFill>
+                <a:latin typeface="Arial"/>
+              </a:rPr>
+              <a:t>&lt;p&gt;</a:t>
+            </a:r>
+          </a:p>
+          <a:p>
+            <a:pPr>
+              <a:lnSpc>
+                <a:spcPct val="150000"/>
+              </a:lnSpc>
+            </a:pPr>
+            <a:endParaRPr lang="en-US" sz="2000" b="0" strike="noStrike" spc="-1" dirty="0">
+              <a:solidFill>
+                <a:srgbClr val="000000"/>
+              </a:solidFill>
+              <a:latin typeface="Arial"/>
+            </a:endParaRPr>
+          </a:p>
+        </p:txBody>
+      </p:sp>
+      <p:sp>
+        <p:nvSpPr>
+          <p:cNvPr id="204" name="CustomShape 8"/>
+          <p:cNvSpPr/>
+          <p:nvPr/>
+        </p:nvSpPr>
+        <p:spPr>
+          <a:xfrm>
+            <a:off x="2305080" y="2063520"/>
+            <a:ext cx="1503360" cy="576000"/>
+          </a:xfrm>
+          <a:prstGeom prst="rect">
+            <a:avLst/>
+          </a:prstGeom>
+          <a:noFill/>
+          <a:ln>
+            <a:noFill/>
+          </a:ln>
+        </p:spPr>
+        <p:style>
+          <a:lnRef idx="0">
+            <a:scrgbClr r="0" g="0" b="0"/>
+          </a:lnRef>
+          <a:fillRef idx="0">
+            <a:scrgbClr r="0" g="0" b="0"/>
+          </a:fillRef>
+          <a:effectRef idx="0">
+            <a:scrgbClr r="0" g="0" b="0"/>
+          </a:effectRef>
+          <a:fontRef idx="minor"/>
+        </p:style>
+        <p:txBody>
+          <a:bodyPr anchor="b">
+            <a:noAutofit/>
+          </a:bodyPr>
+          <a:lstStyle/>
+          <a:p>
+            <a:pPr>
+              <a:lnSpc>
+                <a:spcPct val="90000"/>
+              </a:lnSpc>
+              <a:spcBef>
+                <a:spcPts val="1001"/>
+              </a:spcBef>
+            </a:pPr>
+            <a:r>
+              <a:rPr lang="en-US" sz="2400" b="0" strike="noStrike" cap="all" spc="-1">
+                <a:solidFill>
+                  <a:srgbClr val="EE8011"/>
+                </a:solidFill>
+                <a:latin typeface="Impact"/>
+              </a:rPr>
+              <a:t>Links</a:t>
+            </a:r>
+            <a:endParaRPr lang="en-IN" sz="2400" b="0" strike="noStrike" spc="-1">
+              <a:latin typeface="Arial"/>
+            </a:endParaRPr>
+          </a:p>
+        </p:txBody>
+      </p:sp>
+      <p:sp>
+        <p:nvSpPr>
+          <p:cNvPr id="205" name="CustomShape 9"/>
+          <p:cNvSpPr/>
+          <p:nvPr/>
+        </p:nvSpPr>
+        <p:spPr>
+          <a:xfrm>
+            <a:off x="2306160" y="2639520"/>
+            <a:ext cx="1502640" cy="2941920"/>
+          </a:xfrm>
+          <a:prstGeom prst="rect">
+            <a:avLst/>
+          </a:prstGeom>
+          <a:noFill/>
+          <a:ln w="19080">
+            <a:solidFill>
+              <a:schemeClr val="tx1"/>
+            </a:solidFill>
+            <a:round/>
+          </a:ln>
+        </p:spPr>
+        <p:style>
+          <a:lnRef idx="0">
+            <a:scrgbClr r="0" g="0" b="0"/>
+          </a:lnRef>
+          <a:fillRef idx="0">
+            <a:scrgbClr r="0" g="0" b="0"/>
+          </a:fillRef>
+          <a:effectRef idx="0">
+            <a:scrgbClr r="0" g="0" b="0"/>
+          </a:effectRef>
+          <a:fontRef idx="minor"/>
+        </p:style>
+        <p:txBody>
+          <a:bodyPr>
+            <a:normAutofit/>
+          </a:bodyPr>
+          <a:lstStyle/>
+          <a:p>
+            <a:pPr>
+              <a:lnSpc>
+                <a:spcPct val="150000"/>
+              </a:lnSpc>
+            </a:pPr>
+            <a:r>
+              <a:rPr lang="en-US" sz="2000" b="0" strike="noStrike" spc="-1">
+                <a:solidFill>
+                  <a:srgbClr val="000000"/>
+                </a:solidFill>
+                <a:latin typeface="Impact"/>
+              </a:rPr>
+              <a:t>&lt;a&gt;</a:t>
+            </a:r>
+            <a:endParaRPr lang="en-IN" sz="2000" b="0" strike="noStrike" spc="-1">
+              <a:latin typeface="Arial"/>
+            </a:endParaRPr>
+          </a:p>
+          <a:p>
+            <a:pPr>
+              <a:lnSpc>
+                <a:spcPct val="150000"/>
+              </a:lnSpc>
+            </a:pPr>
+            <a:r>
+              <a:rPr lang="en-US" sz="2000" b="0" strike="noStrike" spc="-1">
+                <a:solidFill>
+                  <a:srgbClr val="000000"/>
+                </a:solidFill>
+                <a:latin typeface="Impact"/>
+              </a:rPr>
+              <a:t>&lt;img&gt;</a:t>
+            </a:r>
+            <a:endParaRPr lang="en-IN" sz="2000" b="0" strike="noStrike" spc="-1">
+              <a:latin typeface="Arial"/>
+            </a:endParaRPr>
+          </a:p>
+        </p:txBody>
+      </p:sp>
+      <p:sp>
+        <p:nvSpPr>
+          <p:cNvPr id="206" name="CustomShape 10"/>
+          <p:cNvSpPr/>
+          <p:nvPr/>
+        </p:nvSpPr>
+        <p:spPr>
+          <a:xfrm>
+            <a:off x="5853600" y="2639520"/>
+            <a:ext cx="1436400" cy="2941920"/>
+          </a:xfrm>
+          <a:prstGeom prst="rect">
+            <a:avLst/>
+          </a:prstGeom>
+          <a:noFill/>
+          <a:ln w="12600">
+            <a:solidFill>
+              <a:schemeClr val="tx1"/>
+            </a:solidFill>
+            <a:round/>
+          </a:ln>
+        </p:spPr>
+        <p:style>
+          <a:lnRef idx="0">
+            <a:scrgbClr r="0" g="0" b="0"/>
+          </a:lnRef>
+          <a:fillRef idx="0">
+            <a:scrgbClr r="0" g="0" b="0"/>
+          </a:fillRef>
+          <a:effectRef idx="0">
+            <a:scrgbClr r="0" g="0" b="0"/>
+          </a:effectRef>
+          <a:fontRef idx="minor"/>
+        </p:style>
+        <p:txBody>
+          <a:bodyPr>
+            <a:noAutofit/>
+          </a:bodyPr>
+          <a:lstStyle/>
+          <a:p>
+            <a:pPr>
+              <a:lnSpc>
+                <a:spcPct val="150000"/>
+              </a:lnSpc>
+            </a:pPr>
+            <a:r>
+              <a:rPr lang="en-US" sz="2000" b="0" strike="noStrike" spc="-1">
+                <a:solidFill>
+                  <a:srgbClr val="000000"/>
+                </a:solidFill>
+                <a:latin typeface="Impact"/>
+              </a:rPr>
+              <a:t>&lt;option&gt;</a:t>
+            </a:r>
+            <a:endParaRPr lang="en-IN" sz="2000" b="0" strike="noStrike" spc="-1">
+              <a:latin typeface="Arial"/>
+            </a:endParaRPr>
+          </a:p>
+          <a:p>
+            <a:pPr>
+              <a:lnSpc>
+                <a:spcPct val="150000"/>
+              </a:lnSpc>
+            </a:pPr>
+            <a:r>
+              <a:rPr lang="en-US" sz="2000" b="0" strike="noStrike" spc="-1">
+                <a:solidFill>
+                  <a:srgbClr val="000000"/>
+                </a:solidFill>
+                <a:latin typeface="Impact"/>
+              </a:rPr>
+              <a:t>&lt;ul&gt; &lt;li&gt;</a:t>
+            </a:r>
+            <a:endParaRPr lang="en-IN" sz="2000" b="0" strike="noStrike" spc="-1">
+              <a:latin typeface="Arial"/>
+            </a:endParaRPr>
+          </a:p>
+          <a:p>
+            <a:pPr>
+              <a:lnSpc>
+                <a:spcPct val="150000"/>
+              </a:lnSpc>
+            </a:pPr>
+            <a:r>
+              <a:rPr lang="en-US" sz="2000" b="0" strike="noStrike" spc="-1">
+                <a:solidFill>
+                  <a:srgbClr val="000000"/>
+                </a:solidFill>
+                <a:latin typeface="Impact"/>
+              </a:rPr>
+              <a:t>&lt;ol&gt;</a:t>
+            </a:r>
+            <a:endParaRPr lang="en-IN" sz="2000" b="0" strike="noStrike" spc="-1">
+              <a:latin typeface="Arial"/>
+            </a:endParaRPr>
+          </a:p>
+          <a:p>
+            <a:pPr>
+              <a:lnSpc>
+                <a:spcPct val="150000"/>
+              </a:lnSpc>
+            </a:pPr>
+            <a:r>
+              <a:rPr lang="en-US" sz="2000" b="0" strike="noStrike" spc="-1">
+                <a:solidFill>
+                  <a:srgbClr val="000000"/>
+                </a:solidFill>
+                <a:latin typeface="Impact"/>
+              </a:rPr>
+              <a:t>&lt;table&gt;</a:t>
+            </a:r>
+            <a:endParaRPr lang="en-IN" sz="2000" b="0" strike="noStrike" spc="-1">
+              <a:latin typeface="Arial"/>
+            </a:endParaRPr>
+          </a:p>
+          <a:p>
+            <a:pPr>
+              <a:lnSpc>
+                <a:spcPct val="150000"/>
+              </a:lnSpc>
+            </a:pPr>
+            <a:r>
+              <a:rPr lang="en-US" sz="2000" b="0" strike="noStrike" spc="-1">
+                <a:solidFill>
+                  <a:srgbClr val="000000"/>
+                </a:solidFill>
+                <a:latin typeface="Impact"/>
+              </a:rPr>
+              <a:t>&lt;th&gt;</a:t>
+            </a:r>
+            <a:endParaRPr lang="en-IN" sz="2000" b="0" strike="noStrike" spc="-1">
+              <a:latin typeface="Arial"/>
+            </a:endParaRPr>
+          </a:p>
+          <a:p>
+            <a:pPr>
+              <a:lnSpc>
+                <a:spcPct val="150000"/>
+              </a:lnSpc>
+            </a:pPr>
+            <a:r>
+              <a:rPr lang="en-US" sz="2000" b="0" strike="noStrike" spc="-1">
+                <a:solidFill>
+                  <a:srgbClr val="000000"/>
+                </a:solidFill>
+                <a:latin typeface="Impact"/>
+              </a:rPr>
+              <a:t>&lt;tr&gt; &lt;td&gt;</a:t>
+            </a:r>
+            <a:endParaRPr lang="en-IN" sz="2000" b="0" strike="noStrike" spc="-1">
+              <a:latin typeface="Arial"/>
+            </a:endParaRPr>
+          </a:p>
+          <a:p>
+            <a:pPr>
+              <a:lnSpc>
+                <a:spcPct val="150000"/>
+              </a:lnSpc>
+            </a:pPr>
+            <a:endParaRPr lang="en-IN" sz="2000" b="0" strike="noStrike" spc="-1">
+              <a:latin typeface="Arial"/>
+            </a:endParaRPr>
+          </a:p>
+        </p:txBody>
+      </p:sp>
+      <p:sp>
+        <p:nvSpPr>
+          <p:cNvPr id="207" name="CustomShape 11"/>
+          <p:cNvSpPr/>
+          <p:nvPr/>
+        </p:nvSpPr>
+        <p:spPr>
+          <a:xfrm>
+            <a:off x="9498960" y="2639520"/>
+            <a:ext cx="1581480" cy="2941920"/>
+          </a:xfrm>
+          <a:prstGeom prst="rect">
+            <a:avLst/>
+          </a:prstGeom>
+          <a:noFill/>
+          <a:ln w="19080">
+            <a:solidFill>
+              <a:schemeClr val="tx1"/>
+            </a:solidFill>
+            <a:round/>
+          </a:ln>
+        </p:spPr>
+        <p:style>
+          <a:lnRef idx="0">
+            <a:scrgbClr r="0" g="0" b="0"/>
+          </a:lnRef>
+          <a:fillRef idx="0">
+            <a:scrgbClr r="0" g="0" b="0"/>
+          </a:fillRef>
+          <a:effectRef idx="0">
+            <a:scrgbClr r="0" g="0" b="0"/>
+          </a:effectRef>
+          <a:fontRef idx="minor"/>
+        </p:style>
+        <p:txBody>
+          <a:bodyPr>
+            <a:normAutofit/>
+          </a:bodyPr>
+          <a:lstStyle/>
+          <a:p>
+            <a:pPr>
+              <a:lnSpc>
+                <a:spcPct val="150000"/>
+              </a:lnSpc>
+            </a:pPr>
+            <a:endParaRPr lang="en-IN" sz="2000" b="0" strike="noStrike" spc="-1" dirty="0">
+              <a:latin typeface="Arial"/>
+            </a:endParaRPr>
+          </a:p>
+          <a:p>
+            <a:pPr>
+              <a:lnSpc>
+                <a:spcPct val="150000"/>
+              </a:lnSpc>
+            </a:pPr>
+            <a:endParaRPr lang="en-IN" sz="2000" b="0" strike="noStrike" spc="-1" dirty="0">
               <a:latin typeface="Arial"/>
             </a:endParaRPr>
           </a:p>
@@ -43657,6 +43874,142 @@
 </file>
 
 <file path=ppt/slides/slide30.xml><?xml version="1.0" encoding="utf-8"?>
+<p:sld xmlns:a="http://schemas.openxmlformats.org/drawingml/2006/main" xmlns:r="http://schemas.openxmlformats.org/officeDocument/2006/relationships" xmlns:p="http://schemas.openxmlformats.org/presentationml/2006/main">
+  <p:cSld>
+    <p:spTree>
+      <p:nvGrpSpPr>
+        <p:cNvPr id="1" name=""/>
+        <p:cNvGrpSpPr/>
+        <p:nvPr/>
+      </p:nvGrpSpPr>
+      <p:grpSpPr>
+        <a:xfrm>
+          <a:off x="0" y="0"/>
+          <a:ext cx="0" cy="0"/>
+          <a:chOff x="0" y="0"/>
+          <a:chExt cx="0" cy="0"/>
+        </a:xfrm>
+      </p:grpSpPr>
+      <p:sp>
+        <p:nvSpPr>
+          <p:cNvPr id="208" name="TextShape 1"/>
+          <p:cNvSpPr txBox="1"/>
+          <p:nvPr/>
+        </p:nvSpPr>
+        <p:spPr>
+          <a:xfrm>
+            <a:off x="685800" y="685800"/>
+            <a:ext cx="10394280" cy="3193200"/>
+          </a:xfrm>
+          <a:prstGeom prst="rect">
+            <a:avLst/>
+          </a:prstGeom>
+          <a:noFill/>
+          <a:ln>
+            <a:noFill/>
+          </a:ln>
+        </p:spPr>
+        <p:txBody>
+          <a:bodyPr anchor="b">
+            <a:noAutofit/>
+          </a:bodyPr>
+          <a:lstStyle/>
+          <a:p>
+            <a:pPr>
+              <a:lnSpc>
+                <a:spcPct val="90000"/>
+              </a:lnSpc>
+            </a:pPr>
+            <a:r>
+              <a:rPr lang="en-US" sz="5400" b="0" strike="noStrike" cap="all" spc="-1">
+                <a:solidFill>
+                  <a:srgbClr val="EE8011"/>
+                </a:solidFill>
+                <a:latin typeface="Impact"/>
+              </a:rPr>
+              <a:t>Style Attribute</a:t>
+            </a:r>
+            <a:endParaRPr lang="en-US" sz="5400" b="0" strike="noStrike" spc="-1">
+              <a:solidFill>
+                <a:srgbClr val="000000"/>
+              </a:solidFill>
+              <a:latin typeface="Impact"/>
+            </a:endParaRPr>
+          </a:p>
+        </p:txBody>
+      </p:sp>
+      <p:sp>
+        <p:nvSpPr>
+          <p:cNvPr id="209" name="TextShape 2"/>
+          <p:cNvSpPr txBox="1"/>
+          <p:nvPr/>
+        </p:nvSpPr>
+        <p:spPr>
+          <a:xfrm>
+            <a:off x="685800" y="3742200"/>
+            <a:ext cx="10394280" cy="1639080"/>
+          </a:xfrm>
+          <a:prstGeom prst="rect">
+            <a:avLst/>
+          </a:prstGeom>
+          <a:noFill/>
+          <a:ln>
+            <a:noFill/>
+          </a:ln>
+        </p:spPr>
+        <p:txBody>
+          <a:bodyPr>
+            <a:noAutofit/>
+          </a:bodyPr>
+          <a:lstStyle/>
+          <a:p>
+            <a:pPr>
+              <a:lnSpc>
+                <a:spcPct val="100000"/>
+              </a:lnSpc>
+            </a:pPr>
+            <a:r>
+              <a:rPr lang="en-IN" sz="2000" b="0" strike="noStrike" spc="-1">
+                <a:solidFill>
+                  <a:srgbClr val="808080"/>
+                </a:solidFill>
+                <a:latin typeface="Arial"/>
+              </a:rPr>
+              <a:t>Setting the style of an HTML element</a:t>
+            </a:r>
+            <a:endParaRPr lang="en-US" sz="2000" b="0" strike="noStrike" spc="-1">
+              <a:solidFill>
+                <a:srgbClr val="000000"/>
+              </a:solidFill>
+              <a:latin typeface="Arial"/>
+            </a:endParaRPr>
+          </a:p>
+        </p:txBody>
+      </p:sp>
+    </p:spTree>
+  </p:cSld>
+  <p:clrMapOvr>
+    <a:masterClrMapping/>
+  </p:clrMapOvr>
+  <mc:AlternateContent xmlns:mc="http://schemas.openxmlformats.org/markup-compatibility/2006" xmlns:p14="http://schemas.microsoft.com/office/powerpoint/2010/main">
+    <mc:Choice Requires="p14">
+      <p:transition spd="slow" p14:dur="2000"/>
+    </mc:Choice>
+    <mc:Fallback xmlns:p15="http://schemas.microsoft.com/office/powerpoint/2012/main" xmlns="">
+      <p:transition spd="slow"/>
+    </mc:Fallback>
+  </mc:AlternateContent>
+  <p:timing>
+    <p:tnLst>
+      <p:par>
+        <p:cTn id="1" dur="indefinite" restart="never" nodeType="tmRoot"/>
+      </p:par>
+    </p:tnLst>
+  </p:timing>
+</p:sld>
+</file>
+
+<file path=ppt/slides/slide31.xml><?xml version="1.0" encoding="utf-8"?>
 <p:sld xmlns:a="http://schemas.openxmlformats.org/drawingml/2006/main" xmlns:r="http://schemas.openxmlformats.org/officeDocument/2006/relationships" xmlns:p="http://schemas.openxmlformats.org/presentationml/2006/main">
   <p:cSld>
     <p:spTree>
